--- a/Учебная практика/УП 0.1 (часть 2)/Программа Калькулятор/Документация/Калькулятор.pptx
+++ b/Учебная практика/УП 0.1 (часть 2)/Программа Калькулятор/Документация/Калькулятор.pptx
@@ -112,6 +112,22 @@
       </a:defRPr>
     </a:lvl9pPr>
   </p:defaultTextStyle>
+  <p:extLst>
+    <p:ext uri="{EFAFB233-063F-42B5-8137-9DF3F51BA10A}">
+      <p15:sldGuideLst xmlns:p15="http://schemas.microsoft.com/office/powerpoint/2012/main">
+        <p15:guide id="1" orient="horz" pos="2160">
+          <p15:clr>
+            <a:srgbClr val="A4A3A4"/>
+          </p15:clr>
+        </p15:guide>
+        <p15:guide id="2" pos="2880">
+          <p15:clr>
+            <a:srgbClr val="A4A3A4"/>
+          </p15:clr>
+        </p15:guide>
+      </p15:sldGuideLst>
+    </p:ext>
+  </p:extLst>
 </p:presentation>
 </file>
 
@@ -226,7 +242,7 @@
           <a:p>
             <a:fld id="{B4C71EC6-210F-42DE-9C53-41977AD35B3D}" type="datetimeFigureOut">
               <a:rPr lang="ru-RU" smtClean="0"/>
-              <a:t>26.04.2019</a:t>
+              <a:t>23.05.2020</a:t>
             </a:fld>
             <a:endParaRPr lang="ru-RU"/>
           </a:p>
@@ -452,7 +468,7 @@
           <a:p>
             <a:fld id="{B4C71EC6-210F-42DE-9C53-41977AD35B3D}" type="datetimeFigureOut">
               <a:rPr lang="ru-RU" smtClean="0"/>
-              <a:t>26.04.2019</a:t>
+              <a:t>23.05.2020</a:t>
             </a:fld>
             <a:endParaRPr lang="ru-RU"/>
           </a:p>
@@ -627,7 +643,7 @@
           <a:p>
             <a:fld id="{B4C71EC6-210F-42DE-9C53-41977AD35B3D}" type="datetimeFigureOut">
               <a:rPr lang="ru-RU" smtClean="0"/>
-              <a:t>26.04.2019</a:t>
+              <a:t>23.05.2020</a:t>
             </a:fld>
             <a:endParaRPr lang="ru-RU"/>
           </a:p>
@@ -792,7 +808,7 @@
           <a:p>
             <a:fld id="{B4C71EC6-210F-42DE-9C53-41977AD35B3D}" type="datetimeFigureOut">
               <a:rPr lang="ru-RU" smtClean="0"/>
-              <a:t>26.04.2019</a:t>
+              <a:t>23.05.2020</a:t>
             </a:fld>
             <a:endParaRPr lang="ru-RU"/>
           </a:p>
@@ -1036,7 +1052,7 @@
           <a:p>
             <a:fld id="{B4C71EC6-210F-42DE-9C53-41977AD35B3D}" type="datetimeFigureOut">
               <a:rPr lang="ru-RU" smtClean="0"/>
-              <a:t>26.04.2019</a:t>
+              <a:t>23.05.2020</a:t>
             </a:fld>
             <a:endParaRPr lang="ru-RU"/>
           </a:p>
@@ -1300,7 +1316,7 @@
           <a:p>
             <a:fld id="{B4C71EC6-210F-42DE-9C53-41977AD35B3D}" type="datetimeFigureOut">
               <a:rPr lang="ru-RU" smtClean="0"/>
-              <a:t>26.04.2019</a:t>
+              <a:t>23.05.2020</a:t>
             </a:fld>
             <a:endParaRPr lang="ru-RU"/>
           </a:p>
@@ -1674,7 +1690,7 @@
           <a:p>
             <a:fld id="{B4C71EC6-210F-42DE-9C53-41977AD35B3D}" type="datetimeFigureOut">
               <a:rPr lang="ru-RU" smtClean="0"/>
-              <a:t>26.04.2019</a:t>
+              <a:t>23.05.2020</a:t>
             </a:fld>
             <a:endParaRPr lang="ru-RU"/>
           </a:p>
@@ -1787,7 +1803,7 @@
           <a:p>
             <a:fld id="{B4C71EC6-210F-42DE-9C53-41977AD35B3D}" type="datetimeFigureOut">
               <a:rPr lang="ru-RU" smtClean="0"/>
-              <a:t>26.04.2019</a:t>
+              <a:t>23.05.2020</a:t>
             </a:fld>
             <a:endParaRPr lang="ru-RU"/>
           </a:p>
@@ -1877,7 +1893,7 @@
           <a:p>
             <a:fld id="{B4C71EC6-210F-42DE-9C53-41977AD35B3D}" type="datetimeFigureOut">
               <a:rPr lang="ru-RU" smtClean="0"/>
-              <a:t>26.04.2019</a:t>
+              <a:t>23.05.2020</a:t>
             </a:fld>
             <a:endParaRPr lang="ru-RU"/>
           </a:p>
@@ -2135,7 +2151,7 @@
           <a:p>
             <a:fld id="{B4C71EC6-210F-42DE-9C53-41977AD35B3D}" type="datetimeFigureOut">
               <a:rPr lang="ru-RU" smtClean="0"/>
-              <a:t>26.04.2019</a:t>
+              <a:t>23.05.2020</a:t>
             </a:fld>
             <a:endParaRPr lang="ru-RU"/>
           </a:p>
@@ -2399,7 +2415,7 @@
           <a:p>
             <a:fld id="{B4C71EC6-210F-42DE-9C53-41977AD35B3D}" type="datetimeFigureOut">
               <a:rPr lang="ru-RU" smtClean="0"/>
-              <a:t>26.04.2019</a:t>
+              <a:t>23.05.2020</a:t>
             </a:fld>
             <a:endParaRPr lang="ru-RU"/>
           </a:p>
@@ -2616,7 +2632,7 @@
           <a:p>
             <a:fld id="{B4C71EC6-210F-42DE-9C53-41977AD35B3D}" type="datetimeFigureOut">
               <a:rPr lang="ru-RU" smtClean="0"/>
-              <a:t>26.04.2019</a:t>
+              <a:t>23.05.2020</a:t>
             </a:fld>
             <a:endParaRPr lang="ru-RU"/>
           </a:p>
@@ -3109,15 +3125,7 @@
           <a:p>
             <a:r>
               <a:rPr lang="ru-RU" dirty="0" smtClean="0"/>
-              <a:t>Дуругян А.В. и </a:t>
-            </a:r>
-            <a:r>
-              <a:rPr lang="ru-RU" dirty="0" err="1" smtClean="0"/>
-              <a:t>Корзухин</a:t>
-            </a:r>
-            <a:r>
-              <a:rPr lang="ru-RU" dirty="0" smtClean="0"/>
-              <a:t> А.И.</a:t>
+              <a:t>Головатюк М.В.</a:t>
             </a:r>
             <a:endParaRPr lang="ru-RU" dirty="0"/>
           </a:p>
